--- a/referate/amda/r1/presentation/presentation.pptx
+++ b/referate/amda/r1/presentation/presentation.pptx
@@ -14,6 +14,18 @@
     <p:sldId id="262" r:id="rId8"/>
     <p:sldId id="263" r:id="rId9"/>
     <p:sldId id="264" r:id="rId10"/>
+    <p:sldId id="265" r:id="rId11"/>
+    <p:sldId id="266" r:id="rId12"/>
+    <p:sldId id="267" r:id="rId13"/>
+    <p:sldId id="268" r:id="rId14"/>
+    <p:sldId id="269" r:id="rId15"/>
+    <p:sldId id="270" r:id="rId16"/>
+    <p:sldId id="271" r:id="rId17"/>
+    <p:sldId id="272" r:id="rId18"/>
+    <p:sldId id="273" r:id="rId19"/>
+    <p:sldId id="274" r:id="rId20"/>
+    <p:sldId id="275" r:id="rId21"/>
+    <p:sldId id="276" r:id="rId22"/>
   </p:sldIdLst>
   <p:sldSz cx="9144000" cy="6858000" type="screen4x3"/>
   <p:notesSz cx="6858000" cy="9144000"/>
@@ -3500,6 +3512,1043 @@
 </p:sld>
 </file>
 
+<file path=ppt/slides/slide10.xml><?xml version="1.0" encoding="utf-8"?>
+<p:sld xmlns:a="http://schemas.openxmlformats.org/drawingml/2006/main" xmlns:r="http://schemas.openxmlformats.org/officeDocument/2006/relationships" xmlns:p="http://schemas.openxmlformats.org/presentationml/2006/main">
+  <p:cSld>
+    <p:spTree>
+      <p:nvGrpSpPr>
+        <p:cNvPr id="1" name=""/>
+        <p:cNvGrpSpPr/>
+        <p:nvPr/>
+      </p:nvGrpSpPr>
+      <p:grpSpPr>
+        <a:xfrm>
+          <a:off x="0" y="0"/>
+          <a:ext cx="0" cy="0"/>
+          <a:chOff x="0" y="0"/>
+          <a:chExt cx="0" cy="0"/>
+        </a:xfrm>
+      </p:grpSpPr>
+      <p:sp>
+        <p:nvSpPr>
+          <p:cNvPr id="2" name="Title 1"/>
+          <p:cNvSpPr>
+            <a:spLocks noGrp="1"/>
+          </p:cNvSpPr>
+          <p:nvPr>
+            <p:ph type="title"/>
+          </p:nvPr>
+        </p:nvSpPr>
+        <p:spPr/>
+        <p:txBody>
+          <a:bodyPr/>
+          <a:lstStyle/>
+          <a:p>
+            <a:r>
+              <a:rPr lang="en-US" smtClean="0"/>
+              <a:t>1.3. GPU K-Means</a:t>
+            </a:r>
+            <a:endParaRPr lang="en-US"/>
+          </a:p>
+        </p:txBody>
+      </p:sp>
+      <p:sp>
+        <p:nvSpPr>
+          <p:cNvPr id="3" name="Content Placeholder 2"/>
+          <p:cNvSpPr>
+            <a:spLocks noGrp="1"/>
+          </p:cNvSpPr>
+          <p:nvPr>
+            <p:ph idx="1"/>
+          </p:nvPr>
+        </p:nvSpPr>
+        <p:spPr/>
+        <p:txBody>
+          <a:bodyPr/>
+          <a:lstStyle/>
+          <a:p>
+            <a:r>
+              <a:rPr lang="en-US" smtClean="0"/>
+              <a:t>GPU = special circuits designed for computer graphics and image processing</a:t>
+            </a:r>
+          </a:p>
+          <a:p>
+            <a:r>
+              <a:rPr lang="en-US" smtClean="0"/>
+              <a:t>Efficient at doing a simple operation over a large batch of data</a:t>
+            </a:r>
+          </a:p>
+          <a:p>
+            <a:r>
+              <a:rPr lang="en-US" smtClean="0"/>
+              <a:t>Can have thousands of threads</a:t>
+            </a:r>
+            <a:endParaRPr lang="en-US"/>
+          </a:p>
+        </p:txBody>
+      </p:sp>
+      <p:pic>
+        <p:nvPicPr>
+          <p:cNvPr id="1026" name="Picture 2"/>
+          <p:cNvPicPr>
+            <a:picLocks noChangeAspect="1" noChangeArrowheads="1"/>
+          </p:cNvPicPr>
+          <p:nvPr/>
+        </p:nvPicPr>
+        <p:blipFill>
+          <a:blip r:embed="rId2">
+            <a:extLst>
+              <a:ext uri="{28A0092B-C50C-407E-A947-70E740481C1C}">
+                <a14:useLocalDpi xmlns:a14="http://schemas.microsoft.com/office/drawing/2010/main" val="0"/>
+              </a:ext>
+            </a:extLst>
+          </a:blip>
+          <a:srcRect/>
+          <a:stretch>
+            <a:fillRect/>
+          </a:stretch>
+        </p:blipFill>
+        <p:spPr bwMode="auto">
+          <a:xfrm>
+            <a:off x="4038600" y="4419600"/>
+            <a:ext cx="2971800" cy="1922929"/>
+          </a:xfrm>
+          <a:prstGeom prst="rect">
+            <a:avLst/>
+          </a:prstGeom>
+          <a:noFill/>
+          <a:ln>
+            <a:noFill/>
+          </a:ln>
+          <a:effectLst/>
+          <a:extLst>
+            <a:ext uri="{909E8E84-426E-40DD-AFC4-6F175D3DCCD1}">
+              <a14:hiddenFill xmlns:a14="http://schemas.microsoft.com/office/drawing/2010/main">
+                <a:solidFill>
+                  <a:schemeClr val="accent1"/>
+                </a:solidFill>
+              </a14:hiddenFill>
+            </a:ext>
+            <a:ext uri="{91240B29-F687-4F45-9708-019B960494DF}">
+              <a14:hiddenLine xmlns:a14="http://schemas.microsoft.com/office/drawing/2010/main" w="9525">
+                <a:solidFill>
+                  <a:schemeClr val="tx1"/>
+                </a:solidFill>
+                <a:miter lim="800000"/>
+                <a:headEnd/>
+                <a:tailEnd/>
+              </a14:hiddenLine>
+            </a:ext>
+            <a:ext uri="{AF507438-7753-43E0-B8FC-AC1667EBCBE1}">
+              <a14:hiddenEffects xmlns:a14="http://schemas.microsoft.com/office/drawing/2010/main">
+                <a:effectLst>
+                  <a:outerShdw dist="35921" dir="2700000" algn="ctr" rotWithShape="0">
+                    <a:schemeClr val="bg2"/>
+                  </a:outerShdw>
+                </a:effectLst>
+              </a14:hiddenEffects>
+            </a:ext>
+          </a:extLst>
+        </p:spPr>
+      </p:pic>
+    </p:spTree>
+    <p:extLst>
+      <p:ext uri="{BB962C8B-B14F-4D97-AF65-F5344CB8AC3E}">
+        <p14:creationId xmlns:p14="http://schemas.microsoft.com/office/powerpoint/2010/main" val="3213642758"/>
+      </p:ext>
+    </p:extLst>
+  </p:cSld>
+  <p:clrMapOvr>
+    <a:masterClrMapping/>
+  </p:clrMapOvr>
+</p:sld>
+</file>
+
+<file path=ppt/slides/slide11.xml><?xml version="1.0" encoding="utf-8"?>
+<p:sld xmlns:a="http://schemas.openxmlformats.org/drawingml/2006/main" xmlns:r="http://schemas.openxmlformats.org/officeDocument/2006/relationships" xmlns:p="http://schemas.openxmlformats.org/presentationml/2006/main">
+  <p:cSld>
+    <p:spTree>
+      <p:nvGrpSpPr>
+        <p:cNvPr id="1" name=""/>
+        <p:cNvGrpSpPr/>
+        <p:nvPr/>
+      </p:nvGrpSpPr>
+      <p:grpSpPr>
+        <a:xfrm>
+          <a:off x="0" y="0"/>
+          <a:ext cx="0" cy="0"/>
+          <a:chOff x="0" y="0"/>
+          <a:chExt cx="0" cy="0"/>
+        </a:xfrm>
+      </p:grpSpPr>
+      <p:sp>
+        <p:nvSpPr>
+          <p:cNvPr id="2" name="Title 1"/>
+          <p:cNvSpPr>
+            <a:spLocks noGrp="1"/>
+          </p:cNvSpPr>
+          <p:nvPr>
+            <p:ph type="title"/>
+          </p:nvPr>
+        </p:nvSpPr>
+        <p:spPr/>
+        <p:txBody>
+          <a:bodyPr/>
+          <a:lstStyle/>
+          <a:p>
+            <a:r>
+              <a:rPr lang="en-US" smtClean="0"/>
+              <a:t>1.3. GPU K-means</a:t>
+            </a:r>
+            <a:br>
+              <a:rPr lang="en-US" smtClean="0"/>
+            </a:br>
+            <a:r>
+              <a:rPr lang="en-US" sz="2400" smtClean="0"/>
+              <a:t>published 2010, Li et al.</a:t>
+            </a:r>
+            <a:endParaRPr lang="en-US"/>
+          </a:p>
+        </p:txBody>
+      </p:sp>
+      <p:sp>
+        <p:nvSpPr>
+          <p:cNvPr id="3" name="Content Placeholder 2"/>
+          <p:cNvSpPr>
+            <a:spLocks noGrp="1"/>
+          </p:cNvSpPr>
+          <p:nvPr>
+            <p:ph idx="1"/>
+          </p:nvPr>
+        </p:nvSpPr>
+        <p:spPr/>
+        <p:txBody>
+          <a:bodyPr/>
+          <a:lstStyle/>
+          <a:p>
+            <a:r>
+              <a:rPr lang="en-US" smtClean="0"/>
+              <a:t>Distance calculation: either dispatch each point to a thread or represent as matrixes and process in tiles data[n][d], centroid[d][k], result[n][k]</a:t>
+            </a:r>
+          </a:p>
+          <a:p>
+            <a:r>
+              <a:rPr lang="en-US" smtClean="0"/>
+              <a:t>Update means: divide and conquer; split data into M groups where M is the number of multiprocessors; reduce each group, split again until the dataset is &lt; M</a:t>
+            </a:r>
+            <a:endParaRPr lang="en-US"/>
+          </a:p>
+        </p:txBody>
+      </p:sp>
+    </p:spTree>
+    <p:extLst>
+      <p:ext uri="{BB962C8B-B14F-4D97-AF65-F5344CB8AC3E}">
+        <p14:creationId xmlns:p14="http://schemas.microsoft.com/office/powerpoint/2010/main" val="1953338490"/>
+      </p:ext>
+    </p:extLst>
+  </p:cSld>
+  <p:clrMapOvr>
+    <a:masterClrMapping/>
+  </p:clrMapOvr>
+</p:sld>
+</file>
+
+<file path=ppt/slides/slide12.xml><?xml version="1.0" encoding="utf-8"?>
+<p:sld xmlns:a="http://schemas.openxmlformats.org/drawingml/2006/main" xmlns:r="http://schemas.openxmlformats.org/officeDocument/2006/relationships" xmlns:p="http://schemas.openxmlformats.org/presentationml/2006/main">
+  <p:cSld>
+    <p:spTree>
+      <p:nvGrpSpPr>
+        <p:cNvPr id="1" name=""/>
+        <p:cNvGrpSpPr/>
+        <p:nvPr/>
+      </p:nvGrpSpPr>
+      <p:grpSpPr>
+        <a:xfrm>
+          <a:off x="0" y="0"/>
+          <a:ext cx="0" cy="0"/>
+          <a:chOff x="0" y="0"/>
+          <a:chExt cx="0" cy="0"/>
+        </a:xfrm>
+      </p:grpSpPr>
+      <p:sp>
+        <p:nvSpPr>
+          <p:cNvPr id="2" name="Title 1"/>
+          <p:cNvSpPr>
+            <a:spLocks noGrp="1"/>
+          </p:cNvSpPr>
+          <p:nvPr>
+            <p:ph type="title"/>
+          </p:nvPr>
+        </p:nvSpPr>
+        <p:spPr/>
+        <p:txBody>
+          <a:bodyPr/>
+          <a:lstStyle/>
+          <a:p>
+            <a:r>
+              <a:rPr lang="en-US" smtClean="0"/>
+              <a:t>2.1. Sort and split heuristic</a:t>
+            </a:r>
+            <a:br>
+              <a:rPr lang="en-US" smtClean="0"/>
+            </a:br>
+            <a:r>
+              <a:rPr lang="en-US" sz="2400" smtClean="0"/>
+              <a:t>2010, Madhu and Pathakota</a:t>
+            </a:r>
+            <a:endParaRPr lang="en-US"/>
+          </a:p>
+        </p:txBody>
+      </p:sp>
+      <p:sp>
+        <p:nvSpPr>
+          <p:cNvPr id="3" name="Content Placeholder 2"/>
+          <p:cNvSpPr>
+            <a:spLocks noGrp="1"/>
+          </p:cNvSpPr>
+          <p:nvPr>
+            <p:ph idx="1"/>
+          </p:nvPr>
+        </p:nvSpPr>
+        <p:spPr/>
+        <p:txBody>
+          <a:bodyPr/>
+          <a:lstStyle/>
+          <a:p>
+            <a:r>
+              <a:rPr lang="en-US" smtClean="0"/>
+              <a:t>Transform negative features by subtracting the minimum attribute value</a:t>
+            </a:r>
+          </a:p>
+          <a:p>
+            <a:r>
+              <a:rPr lang="en-US" smtClean="0"/>
+              <a:t>Sort all points by distance to origin</a:t>
+            </a:r>
+          </a:p>
+          <a:p>
+            <a:r>
+              <a:rPr lang="en-US" smtClean="0"/>
+              <a:t>Partition data into k equal sets</a:t>
+            </a:r>
+          </a:p>
+          <a:p>
+            <a:r>
+              <a:rPr lang="en-US" smtClean="0"/>
+              <a:t>Choose the middle point from each set as a seed</a:t>
+            </a:r>
+            <a:endParaRPr lang="en-US"/>
+          </a:p>
+        </p:txBody>
+      </p:sp>
+    </p:spTree>
+    <p:extLst>
+      <p:ext uri="{BB962C8B-B14F-4D97-AF65-F5344CB8AC3E}">
+        <p14:creationId xmlns:p14="http://schemas.microsoft.com/office/powerpoint/2010/main" val="2671472404"/>
+      </p:ext>
+    </p:extLst>
+  </p:cSld>
+  <p:clrMapOvr>
+    <a:masterClrMapping/>
+  </p:clrMapOvr>
+</p:sld>
+</file>
+
+<file path=ppt/slides/slide13.xml><?xml version="1.0" encoding="utf-8"?>
+<p:sld xmlns:a="http://schemas.openxmlformats.org/drawingml/2006/main" xmlns:r="http://schemas.openxmlformats.org/officeDocument/2006/relationships" xmlns:p="http://schemas.openxmlformats.org/presentationml/2006/main">
+  <p:cSld>
+    <p:spTree>
+      <p:nvGrpSpPr>
+        <p:cNvPr id="1" name=""/>
+        <p:cNvGrpSpPr/>
+        <p:nvPr/>
+      </p:nvGrpSpPr>
+      <p:grpSpPr>
+        <a:xfrm>
+          <a:off x="0" y="0"/>
+          <a:ext cx="0" cy="0"/>
+          <a:chOff x="0" y="0"/>
+          <a:chExt cx="0" cy="0"/>
+        </a:xfrm>
+      </p:grpSpPr>
+      <p:sp>
+        <p:nvSpPr>
+          <p:cNvPr id="2" name="Title 1"/>
+          <p:cNvSpPr>
+            <a:spLocks noGrp="1"/>
+          </p:cNvSpPr>
+          <p:nvPr>
+            <p:ph type="title"/>
+          </p:nvPr>
+        </p:nvSpPr>
+        <p:spPr/>
+        <p:txBody>
+          <a:bodyPr/>
+          <a:lstStyle/>
+          <a:p>
+            <a:r>
+              <a:rPr lang="en-US" smtClean="0"/>
+              <a:t>2.2. K-d trees</a:t>
+            </a:r>
+            <a:endParaRPr lang="en-US"/>
+          </a:p>
+        </p:txBody>
+      </p:sp>
+      <p:sp>
+        <p:nvSpPr>
+          <p:cNvPr id="3" name="Content Placeholder 2"/>
+          <p:cNvSpPr>
+            <a:spLocks noGrp="1"/>
+          </p:cNvSpPr>
+          <p:nvPr>
+            <p:ph idx="1"/>
+          </p:nvPr>
+        </p:nvSpPr>
+        <p:spPr/>
+        <p:txBody>
+          <a:bodyPr/>
+          <a:lstStyle/>
+          <a:p>
+            <a:r>
+              <a:rPr lang="en-US" smtClean="0"/>
+              <a:t>Data structure for organizing points in k-dimensional space</a:t>
+            </a:r>
+          </a:p>
+          <a:p>
+            <a:r>
+              <a:rPr lang="en-US" smtClean="0"/>
+              <a:t>Built by recursively splitting the original dataset across  a dimension</a:t>
+            </a:r>
+          </a:p>
+          <a:p>
+            <a:r>
+              <a:rPr lang="en-US" smtClean="0"/>
+              <a:t>A bounding box can be calculated in each subtree, to help with density estimations</a:t>
+            </a:r>
+            <a:endParaRPr lang="en-US"/>
+          </a:p>
+        </p:txBody>
+      </p:sp>
+    </p:spTree>
+    <p:extLst>
+      <p:ext uri="{BB962C8B-B14F-4D97-AF65-F5344CB8AC3E}">
+        <p14:creationId xmlns:p14="http://schemas.microsoft.com/office/powerpoint/2010/main" val="1675889613"/>
+      </p:ext>
+    </p:extLst>
+  </p:cSld>
+  <p:clrMapOvr>
+    <a:masterClrMapping/>
+  </p:clrMapOvr>
+</p:sld>
+</file>
+
+<file path=ppt/slides/slide14.xml><?xml version="1.0" encoding="utf-8"?>
+<p:sld xmlns:a="http://schemas.openxmlformats.org/drawingml/2006/main" xmlns:r="http://schemas.openxmlformats.org/officeDocument/2006/relationships" xmlns:p="http://schemas.openxmlformats.org/presentationml/2006/main">
+  <p:cSld>
+    <p:spTree>
+      <p:nvGrpSpPr>
+        <p:cNvPr id="1" name=""/>
+        <p:cNvGrpSpPr/>
+        <p:nvPr/>
+      </p:nvGrpSpPr>
+      <p:grpSpPr>
+        <a:xfrm>
+          <a:off x="0" y="0"/>
+          <a:ext cx="0" cy="0"/>
+          <a:chOff x="0" y="0"/>
+          <a:chExt cx="0" cy="0"/>
+        </a:xfrm>
+      </p:grpSpPr>
+      <p:sp>
+        <p:nvSpPr>
+          <p:cNvPr id="2" name="Title 1"/>
+          <p:cNvSpPr>
+            <a:spLocks noGrp="1"/>
+          </p:cNvSpPr>
+          <p:nvPr>
+            <p:ph type="title"/>
+          </p:nvPr>
+        </p:nvSpPr>
+        <p:spPr/>
+        <p:txBody>
+          <a:bodyPr/>
+          <a:lstStyle/>
+          <a:p>
+            <a:r>
+              <a:rPr lang="en-US" smtClean="0"/>
+              <a:t>2.2. K-d trees</a:t>
+            </a:r>
+            <a:endParaRPr lang="en-US"/>
+          </a:p>
+        </p:txBody>
+      </p:sp>
+      <p:pic>
+        <p:nvPicPr>
+          <p:cNvPr id="2050" name="Picture 2"/>
+          <p:cNvPicPr>
+            <a:picLocks noGrp="1" noChangeAspect="1" noChangeArrowheads="1"/>
+          </p:cNvPicPr>
+          <p:nvPr>
+            <p:ph idx="1"/>
+          </p:nvPr>
+        </p:nvPicPr>
+        <p:blipFill>
+          <a:blip r:embed="rId2">
+            <a:extLst>
+              <a:ext uri="{28A0092B-C50C-407E-A947-70E740481C1C}">
+                <a14:useLocalDpi xmlns:a14="http://schemas.microsoft.com/office/drawing/2010/main" val="0"/>
+              </a:ext>
+            </a:extLst>
+          </a:blip>
+          <a:srcRect/>
+          <a:stretch>
+            <a:fillRect/>
+          </a:stretch>
+        </p:blipFill>
+        <p:spPr bwMode="auto">
+          <a:xfrm>
+            <a:off x="27709" y="1676400"/>
+            <a:ext cx="8937949" cy="4343400"/>
+          </a:xfrm>
+          <a:prstGeom prst="rect">
+            <a:avLst/>
+          </a:prstGeom>
+          <a:noFill/>
+          <a:ln>
+            <a:noFill/>
+          </a:ln>
+          <a:effectLst/>
+          <a:extLst>
+            <a:ext uri="{909E8E84-426E-40DD-AFC4-6F175D3DCCD1}">
+              <a14:hiddenFill xmlns:a14="http://schemas.microsoft.com/office/drawing/2010/main">
+                <a:solidFill>
+                  <a:schemeClr val="accent1"/>
+                </a:solidFill>
+              </a14:hiddenFill>
+            </a:ext>
+            <a:ext uri="{91240B29-F687-4F45-9708-019B960494DF}">
+              <a14:hiddenLine xmlns:a14="http://schemas.microsoft.com/office/drawing/2010/main" w="9525">
+                <a:solidFill>
+                  <a:schemeClr val="tx1"/>
+                </a:solidFill>
+                <a:miter lim="800000"/>
+                <a:headEnd/>
+                <a:tailEnd/>
+              </a14:hiddenLine>
+            </a:ext>
+            <a:ext uri="{AF507438-7753-43E0-B8FC-AC1667EBCBE1}">
+              <a14:hiddenEffects xmlns:a14="http://schemas.microsoft.com/office/drawing/2010/main">
+                <a:effectLst>
+                  <a:outerShdw dist="35921" dir="2700000" algn="ctr" rotWithShape="0">
+                    <a:schemeClr val="bg2"/>
+                  </a:outerShdw>
+                </a:effectLst>
+              </a14:hiddenEffects>
+            </a:ext>
+          </a:extLst>
+        </p:spPr>
+      </p:pic>
+    </p:spTree>
+    <p:extLst>
+      <p:ext uri="{BB962C8B-B14F-4D97-AF65-F5344CB8AC3E}">
+        <p14:creationId xmlns:p14="http://schemas.microsoft.com/office/powerpoint/2010/main" val="873127001"/>
+      </p:ext>
+    </p:extLst>
+  </p:cSld>
+  <p:clrMapOvr>
+    <a:masterClrMapping/>
+  </p:clrMapOvr>
+</p:sld>
+</file>
+
+<file path=ppt/slides/slide15.xml><?xml version="1.0" encoding="utf-8"?>
+<p:sld xmlns:a="http://schemas.openxmlformats.org/drawingml/2006/main" xmlns:r="http://schemas.openxmlformats.org/officeDocument/2006/relationships" xmlns:p="http://schemas.openxmlformats.org/presentationml/2006/main">
+  <p:cSld>
+    <p:spTree>
+      <p:nvGrpSpPr>
+        <p:cNvPr id="1" name=""/>
+        <p:cNvGrpSpPr/>
+        <p:nvPr/>
+      </p:nvGrpSpPr>
+      <p:grpSpPr>
+        <a:xfrm>
+          <a:off x="0" y="0"/>
+          <a:ext cx="0" cy="0"/>
+          <a:chOff x="0" y="0"/>
+          <a:chExt cx="0" cy="0"/>
+        </a:xfrm>
+      </p:grpSpPr>
+      <p:sp>
+        <p:nvSpPr>
+          <p:cNvPr id="2" name="Title 1"/>
+          <p:cNvSpPr>
+            <a:spLocks noGrp="1"/>
+          </p:cNvSpPr>
+          <p:nvPr>
+            <p:ph type="title"/>
+          </p:nvPr>
+        </p:nvSpPr>
+        <p:spPr/>
+        <p:txBody>
+          <a:bodyPr/>
+          <a:lstStyle/>
+          <a:p>
+            <a:r>
+              <a:rPr lang="en-US" smtClean="0"/>
+              <a:t>2.2. K-d trees</a:t>
+            </a:r>
+            <a:br>
+              <a:rPr lang="en-US" smtClean="0"/>
+            </a:br>
+            <a:r>
+              <a:rPr lang="en-US" sz="2400" smtClean="0"/>
+              <a:t>2007, Redmond and Heneghan</a:t>
+            </a:r>
+            <a:endParaRPr lang="en-US"/>
+          </a:p>
+        </p:txBody>
+      </p:sp>
+      <p:sp>
+        <p:nvSpPr>
+          <p:cNvPr id="3" name="Content Placeholder 2"/>
+          <p:cNvSpPr>
+            <a:spLocks noGrp="1"/>
+          </p:cNvSpPr>
+          <p:nvPr>
+            <p:ph idx="1"/>
+          </p:nvPr>
+        </p:nvSpPr>
+        <p:spPr/>
+        <p:txBody>
+          <a:bodyPr/>
+          <a:lstStyle/>
+          <a:p>
+            <a:r>
+              <a:rPr lang="en-US" smtClean="0"/>
+              <a:t>While building the tree: split over the largest dimension, leafs contain n/10k points</a:t>
+            </a:r>
+          </a:p>
+          <a:p>
+            <a:r>
+              <a:rPr lang="en-US" smtClean="0"/>
+              <a:t>Create density estimation for each leaf as : nr points / volume of bounding box</a:t>
+            </a:r>
+          </a:p>
+          <a:p>
+            <a:r>
+              <a:rPr lang="en-US" smtClean="0"/>
+              <a:t>Heuristic : choose means from buckets with large densities, separated by a reasonable distance</a:t>
+            </a:r>
+          </a:p>
+        </p:txBody>
+      </p:sp>
+    </p:spTree>
+    <p:extLst>
+      <p:ext uri="{BB962C8B-B14F-4D97-AF65-F5344CB8AC3E}">
+        <p14:creationId xmlns:p14="http://schemas.microsoft.com/office/powerpoint/2010/main" val="3902374724"/>
+      </p:ext>
+    </p:extLst>
+  </p:cSld>
+  <p:clrMapOvr>
+    <a:masterClrMapping/>
+  </p:clrMapOvr>
+</p:sld>
+</file>
+
+<file path=ppt/slides/slide16.xml><?xml version="1.0" encoding="utf-8"?>
+<p:sld xmlns:a="http://schemas.openxmlformats.org/drawingml/2006/main" xmlns:r="http://schemas.openxmlformats.org/officeDocument/2006/relationships" xmlns:p="http://schemas.openxmlformats.org/presentationml/2006/main">
+  <p:cSld>
+    <p:spTree>
+      <p:nvGrpSpPr>
+        <p:cNvPr id="1" name=""/>
+        <p:cNvGrpSpPr/>
+        <p:nvPr/>
+      </p:nvGrpSpPr>
+      <p:grpSpPr>
+        <a:xfrm>
+          <a:off x="0" y="0"/>
+          <a:ext cx="0" cy="0"/>
+          <a:chOff x="0" y="0"/>
+          <a:chExt cx="0" cy="0"/>
+        </a:xfrm>
+      </p:grpSpPr>
+      <p:sp>
+        <p:nvSpPr>
+          <p:cNvPr id="2" name="Title 1"/>
+          <p:cNvSpPr>
+            <a:spLocks noGrp="1"/>
+          </p:cNvSpPr>
+          <p:nvPr>
+            <p:ph type="title"/>
+          </p:nvPr>
+        </p:nvSpPr>
+        <p:spPr/>
+        <p:txBody>
+          <a:bodyPr/>
+          <a:lstStyle/>
+          <a:p>
+            <a:r>
+              <a:rPr lang="en-US" smtClean="0"/>
+              <a:t>Variants</a:t>
+            </a:r>
+            <a:endParaRPr lang="en-US"/>
+          </a:p>
+        </p:txBody>
+      </p:sp>
+      <p:sp>
+        <p:nvSpPr>
+          <p:cNvPr id="3" name="Content Placeholder 2"/>
+          <p:cNvSpPr>
+            <a:spLocks noGrp="1"/>
+          </p:cNvSpPr>
+          <p:nvPr>
+            <p:ph idx="1"/>
+          </p:nvPr>
+        </p:nvSpPr>
+        <p:spPr/>
+        <p:txBody>
+          <a:bodyPr/>
+          <a:lstStyle/>
+          <a:p>
+            <a:r>
+              <a:rPr lang="en-US" smtClean="0"/>
+              <a:t>Different approaches for the classic algorithm</a:t>
+            </a:r>
+          </a:p>
+          <a:p>
+            <a:pPr marL="514350" indent="-514350">
+              <a:buFont typeface="+mj-lt"/>
+              <a:buAutoNum type="arabicPeriod"/>
+            </a:pPr>
+            <a:r>
+              <a:rPr lang="en-US" smtClean="0"/>
+              <a:t>Bisecting K-Means</a:t>
+            </a:r>
+          </a:p>
+          <a:p>
+            <a:pPr marL="514350" indent="-514350">
+              <a:buFont typeface="+mj-lt"/>
+              <a:buAutoNum type="arabicPeriod"/>
+            </a:pPr>
+            <a:r>
+              <a:rPr lang="en-US" smtClean="0"/>
+              <a:t>GA K-Means</a:t>
+            </a:r>
+            <a:endParaRPr lang="en-US"/>
+          </a:p>
+        </p:txBody>
+      </p:sp>
+    </p:spTree>
+    <p:extLst>
+      <p:ext uri="{BB962C8B-B14F-4D97-AF65-F5344CB8AC3E}">
+        <p14:creationId xmlns:p14="http://schemas.microsoft.com/office/powerpoint/2010/main" val="3686685751"/>
+      </p:ext>
+    </p:extLst>
+  </p:cSld>
+  <p:clrMapOvr>
+    <a:masterClrMapping/>
+  </p:clrMapOvr>
+</p:sld>
+</file>
+
+<file path=ppt/slides/slide17.xml><?xml version="1.0" encoding="utf-8"?>
+<p:sld xmlns:a="http://schemas.openxmlformats.org/drawingml/2006/main" xmlns:r="http://schemas.openxmlformats.org/officeDocument/2006/relationships" xmlns:p="http://schemas.openxmlformats.org/presentationml/2006/main">
+  <p:cSld>
+    <p:spTree>
+      <p:nvGrpSpPr>
+        <p:cNvPr id="1" name=""/>
+        <p:cNvGrpSpPr/>
+        <p:nvPr/>
+      </p:nvGrpSpPr>
+      <p:grpSpPr>
+        <a:xfrm>
+          <a:off x="0" y="0"/>
+          <a:ext cx="0" cy="0"/>
+          <a:chOff x="0" y="0"/>
+          <a:chExt cx="0" cy="0"/>
+        </a:xfrm>
+      </p:grpSpPr>
+      <p:sp>
+        <p:nvSpPr>
+          <p:cNvPr id="2" name="Title 1"/>
+          <p:cNvSpPr>
+            <a:spLocks noGrp="1"/>
+          </p:cNvSpPr>
+          <p:nvPr>
+            <p:ph type="title"/>
+          </p:nvPr>
+        </p:nvSpPr>
+        <p:spPr/>
+        <p:txBody>
+          <a:bodyPr/>
+          <a:lstStyle/>
+          <a:p>
+            <a:r>
+              <a:rPr lang="en-US" smtClean="0"/>
+              <a:t>1. Bisecting K-Means</a:t>
+            </a:r>
+            <a:br>
+              <a:rPr lang="en-US" smtClean="0"/>
+            </a:br>
+            <a:r>
+              <a:rPr lang="en-US" sz="2400" smtClean="0"/>
+              <a:t>2000, Steinbach, Karypis and Kumar</a:t>
+            </a:r>
+            <a:endParaRPr lang="en-US"/>
+          </a:p>
+        </p:txBody>
+      </p:sp>
+      <p:sp>
+        <p:nvSpPr>
+          <p:cNvPr id="3" name="Content Placeholder 2"/>
+          <p:cNvSpPr>
+            <a:spLocks noGrp="1"/>
+          </p:cNvSpPr>
+          <p:nvPr>
+            <p:ph idx="1"/>
+          </p:nvPr>
+        </p:nvSpPr>
+        <p:spPr/>
+        <p:txBody>
+          <a:bodyPr/>
+          <a:lstStyle/>
+          <a:p>
+            <a:r>
+              <a:rPr lang="en-US" smtClean="0"/>
+              <a:t>Can perform both flat and hierarchical clustering</a:t>
+            </a:r>
+          </a:p>
+          <a:p>
+            <a:r>
+              <a:rPr lang="en-US" smtClean="0"/>
+              <a:t>At each iteration splits the dataset into 2 by applying the basic algorithm</a:t>
+            </a:r>
+          </a:p>
+          <a:p>
+            <a:r>
+              <a:rPr lang="en-US" smtClean="0"/>
+              <a:t>Repeats until k clusters have been found</a:t>
+            </a:r>
+          </a:p>
+          <a:p>
+            <a:r>
+              <a:rPr lang="en-US" smtClean="0"/>
+              <a:t>More efficient when k is large, tends to produce balanced clusters</a:t>
+            </a:r>
+            <a:endParaRPr lang="en-US"/>
+          </a:p>
+        </p:txBody>
+      </p:sp>
+    </p:spTree>
+    <p:extLst>
+      <p:ext uri="{BB962C8B-B14F-4D97-AF65-F5344CB8AC3E}">
+        <p14:creationId xmlns:p14="http://schemas.microsoft.com/office/powerpoint/2010/main" val="1375916531"/>
+      </p:ext>
+    </p:extLst>
+  </p:cSld>
+  <p:clrMapOvr>
+    <a:masterClrMapping/>
+  </p:clrMapOvr>
+</p:sld>
+</file>
+
+<file path=ppt/slides/slide18.xml><?xml version="1.0" encoding="utf-8"?>
+<p:sld xmlns:a="http://schemas.openxmlformats.org/drawingml/2006/main" xmlns:r="http://schemas.openxmlformats.org/officeDocument/2006/relationships" xmlns:p="http://schemas.openxmlformats.org/presentationml/2006/main">
+  <p:cSld>
+    <p:spTree>
+      <p:nvGrpSpPr>
+        <p:cNvPr id="1" name=""/>
+        <p:cNvGrpSpPr/>
+        <p:nvPr/>
+      </p:nvGrpSpPr>
+      <p:grpSpPr>
+        <a:xfrm>
+          <a:off x="0" y="0"/>
+          <a:ext cx="0" cy="0"/>
+          <a:chOff x="0" y="0"/>
+          <a:chExt cx="0" cy="0"/>
+        </a:xfrm>
+      </p:grpSpPr>
+      <p:sp>
+        <p:nvSpPr>
+          <p:cNvPr id="2" name="Title 1"/>
+          <p:cNvSpPr>
+            <a:spLocks noGrp="1"/>
+          </p:cNvSpPr>
+          <p:nvPr>
+            <p:ph type="title"/>
+          </p:nvPr>
+        </p:nvSpPr>
+        <p:spPr/>
+        <p:txBody>
+          <a:bodyPr/>
+          <a:lstStyle/>
+          <a:p>
+            <a:r>
+              <a:rPr lang="en-US" smtClean="0"/>
+              <a:t>2. Genetic Algorithms</a:t>
+            </a:r>
+            <a:endParaRPr lang="en-US"/>
+          </a:p>
+        </p:txBody>
+      </p:sp>
+      <p:sp>
+        <p:nvSpPr>
+          <p:cNvPr id="3" name="Content Placeholder 2"/>
+          <p:cNvSpPr>
+            <a:spLocks noGrp="1"/>
+          </p:cNvSpPr>
+          <p:nvPr>
+            <p:ph idx="1"/>
+          </p:nvPr>
+        </p:nvSpPr>
+        <p:spPr/>
+        <p:txBody>
+          <a:bodyPr/>
+          <a:lstStyle/>
+          <a:p>
+            <a:r>
+              <a:rPr lang="en-US" smtClean="0"/>
+              <a:t>Metaheuristic search method inspired by nature</a:t>
+            </a:r>
+          </a:p>
+          <a:p>
+            <a:r>
+              <a:rPr lang="en-US" smtClean="0"/>
+              <a:t>Models solution as chromosomes and scores them with a function called fitness</a:t>
+            </a:r>
+          </a:p>
+          <a:p>
+            <a:r>
+              <a:rPr lang="en-US" smtClean="0"/>
+              <a:t>Random mutations of solution can escape local optima</a:t>
+            </a:r>
+          </a:p>
+          <a:p>
+            <a:endParaRPr lang="en-US"/>
+          </a:p>
+        </p:txBody>
+      </p:sp>
+    </p:spTree>
+    <p:extLst>
+      <p:ext uri="{BB962C8B-B14F-4D97-AF65-F5344CB8AC3E}">
+        <p14:creationId xmlns:p14="http://schemas.microsoft.com/office/powerpoint/2010/main" val="43446857"/>
+      </p:ext>
+    </p:extLst>
+  </p:cSld>
+  <p:clrMapOvr>
+    <a:masterClrMapping/>
+  </p:clrMapOvr>
+</p:sld>
+</file>
+
+<file path=ppt/slides/slide19.xml><?xml version="1.0" encoding="utf-8"?>
+<p:sld xmlns:a="http://schemas.openxmlformats.org/drawingml/2006/main" xmlns:r="http://schemas.openxmlformats.org/officeDocument/2006/relationships" xmlns:p="http://schemas.openxmlformats.org/presentationml/2006/main">
+  <p:cSld>
+    <p:spTree>
+      <p:nvGrpSpPr>
+        <p:cNvPr id="1" name=""/>
+        <p:cNvGrpSpPr/>
+        <p:nvPr/>
+      </p:nvGrpSpPr>
+      <p:grpSpPr>
+        <a:xfrm>
+          <a:off x="0" y="0"/>
+          <a:ext cx="0" cy="0"/>
+          <a:chOff x="0" y="0"/>
+          <a:chExt cx="0" cy="0"/>
+        </a:xfrm>
+      </p:grpSpPr>
+      <p:sp>
+        <p:nvSpPr>
+          <p:cNvPr id="2" name="Title 1"/>
+          <p:cNvSpPr>
+            <a:spLocks noGrp="1"/>
+          </p:cNvSpPr>
+          <p:nvPr>
+            <p:ph type="title"/>
+          </p:nvPr>
+        </p:nvSpPr>
+        <p:spPr/>
+        <p:txBody>
+          <a:bodyPr/>
+          <a:lstStyle/>
+          <a:p>
+            <a:r>
+              <a:rPr lang="en-US" smtClean="0"/>
+              <a:t>2.1. KGA-clustering</a:t>
+            </a:r>
+            <a:br>
+              <a:rPr lang="en-US" smtClean="0"/>
+            </a:br>
+            <a:r>
+              <a:rPr lang="en-US" sz="2400" smtClean="0"/>
+              <a:t>2002, Maulik and Bandiopadhyay</a:t>
+            </a:r>
+            <a:endParaRPr lang="en-US"/>
+          </a:p>
+        </p:txBody>
+      </p:sp>
+      <p:sp>
+        <p:nvSpPr>
+          <p:cNvPr id="3" name="Content Placeholder 2"/>
+          <p:cNvSpPr>
+            <a:spLocks noGrp="1"/>
+          </p:cNvSpPr>
+          <p:nvPr>
+            <p:ph idx="1"/>
+          </p:nvPr>
+        </p:nvSpPr>
+        <p:spPr/>
+        <p:txBody>
+          <a:bodyPr/>
+          <a:lstStyle/>
+          <a:p>
+            <a:r>
+              <a:rPr lang="en-US" smtClean="0"/>
+              <a:t>Chromosome: array of cluster centers</a:t>
+            </a:r>
+          </a:p>
+          <a:p>
+            <a:r>
+              <a:rPr lang="en-US" smtClean="0"/>
+              <a:t>Fitness: distortion</a:t>
+            </a:r>
+          </a:p>
+          <a:p>
+            <a:r>
+              <a:rPr lang="en-US" smtClean="0"/>
+              <a:t>Crossover: single point</a:t>
+            </a:r>
+          </a:p>
+          <a:p>
+            <a:r>
+              <a:rPr lang="en-US" smtClean="0"/>
+              <a:t>Mutation: a random feature is updated with a fixed probability</a:t>
+            </a:r>
+          </a:p>
+          <a:p>
+            <a:r>
+              <a:rPr lang="en-US" smtClean="0"/>
+              <a:t>For each chromosome: decode, update means, apply crossover and mutation, add to next generation if fitness is good</a:t>
+            </a:r>
+            <a:endParaRPr lang="en-US"/>
+          </a:p>
+        </p:txBody>
+      </p:sp>
+    </p:spTree>
+    <p:extLst>
+      <p:ext uri="{BB962C8B-B14F-4D97-AF65-F5344CB8AC3E}">
+        <p14:creationId xmlns:p14="http://schemas.microsoft.com/office/powerpoint/2010/main" val="2112581169"/>
+      </p:ext>
+    </p:extLst>
+  </p:cSld>
+  <p:clrMapOvr>
+    <a:masterClrMapping/>
+  </p:clrMapOvr>
+</p:sld>
+</file>
+
 <file path=ppt/slides/slide2.xml><?xml version="1.0" encoding="utf-8"?>
 <p:sld xmlns:a="http://schemas.openxmlformats.org/drawingml/2006/main" xmlns:r="http://schemas.openxmlformats.org/officeDocument/2006/relationships" xmlns:p="http://schemas.openxmlformats.org/presentationml/2006/main">
   <p:cSld>
@@ -3598,6 +4647,194 @@
       </p:par>
     </p:tnLst>
   </p:timing>
+</p:sld>
+</file>
+
+<file path=ppt/slides/slide20.xml><?xml version="1.0" encoding="utf-8"?>
+<p:sld xmlns:a="http://schemas.openxmlformats.org/drawingml/2006/main" xmlns:r="http://schemas.openxmlformats.org/officeDocument/2006/relationships" xmlns:p="http://schemas.openxmlformats.org/presentationml/2006/main">
+  <p:cSld>
+    <p:spTree>
+      <p:nvGrpSpPr>
+        <p:cNvPr id="1" name=""/>
+        <p:cNvGrpSpPr/>
+        <p:nvPr/>
+      </p:nvGrpSpPr>
+      <p:grpSpPr>
+        <a:xfrm>
+          <a:off x="0" y="0"/>
+          <a:ext cx="0" cy="0"/>
+          <a:chOff x="0" y="0"/>
+          <a:chExt cx="0" cy="0"/>
+        </a:xfrm>
+      </p:grpSpPr>
+      <p:sp>
+        <p:nvSpPr>
+          <p:cNvPr id="2" name="Title 1"/>
+          <p:cNvSpPr>
+            <a:spLocks noGrp="1"/>
+          </p:cNvSpPr>
+          <p:nvPr>
+            <p:ph type="title"/>
+          </p:nvPr>
+        </p:nvSpPr>
+        <p:spPr/>
+        <p:txBody>
+          <a:bodyPr/>
+          <a:lstStyle/>
+          <a:p>
+            <a:r>
+              <a:rPr lang="en-US" smtClean="0"/>
+              <a:t>2.2. IGKM</a:t>
+            </a:r>
+            <a:br>
+              <a:rPr lang="en-US" smtClean="0"/>
+            </a:br>
+            <a:r>
+              <a:rPr lang="en-US" sz="2400" smtClean="0"/>
+              <a:t>2006, Guo, Liu, Gao and Zhu</a:t>
+            </a:r>
+            <a:endParaRPr lang="en-US"/>
+          </a:p>
+        </p:txBody>
+      </p:sp>
+      <p:sp>
+        <p:nvSpPr>
+          <p:cNvPr id="3" name="Content Placeholder 2"/>
+          <p:cNvSpPr>
+            <a:spLocks noGrp="1"/>
+          </p:cNvSpPr>
+          <p:nvPr>
+            <p:ph idx="1"/>
+          </p:nvPr>
+        </p:nvSpPr>
+        <p:spPr/>
+        <p:txBody>
+          <a:bodyPr/>
+          <a:lstStyle/>
+          <a:p>
+            <a:r>
+              <a:rPr lang="en-US" smtClean="0"/>
+              <a:t>Chromosomes also contain a value for k</a:t>
+            </a:r>
+          </a:p>
+          <a:p>
+            <a:r>
+              <a:rPr lang="en-US" smtClean="0"/>
+              <a:t>Fitness: (1/k) * (E1/Ek) * Dk</a:t>
+            </a:r>
+          </a:p>
+          <a:p>
+            <a:r>
+              <a:rPr lang="en-US" smtClean="0"/>
+              <a:t>Ek = distortion for k clusters</a:t>
+            </a:r>
+          </a:p>
+          <a:p>
+            <a:r>
+              <a:rPr lang="en-US" smtClean="0"/>
+              <a:t>Dk = maximum distance between 2 cluster centers</a:t>
+            </a:r>
+          </a:p>
+          <a:p>
+            <a:r>
+              <a:rPr lang="en-US" smtClean="0"/>
+              <a:t>Penalizes large k, increases for compact and separated clusters</a:t>
+            </a:r>
+          </a:p>
+        </p:txBody>
+      </p:sp>
+    </p:spTree>
+    <p:extLst>
+      <p:ext uri="{BB962C8B-B14F-4D97-AF65-F5344CB8AC3E}">
+        <p14:creationId xmlns:p14="http://schemas.microsoft.com/office/powerpoint/2010/main" val="2677763229"/>
+      </p:ext>
+    </p:extLst>
+  </p:cSld>
+  <p:clrMapOvr>
+    <a:masterClrMapping/>
+  </p:clrMapOvr>
+</p:sld>
+</file>
+
+<file path=ppt/slides/slide21.xml><?xml version="1.0" encoding="utf-8"?>
+<p:sld xmlns:a="http://schemas.openxmlformats.org/drawingml/2006/main" xmlns:r="http://schemas.openxmlformats.org/officeDocument/2006/relationships" xmlns:p="http://schemas.openxmlformats.org/presentationml/2006/main">
+  <p:cSld>
+    <p:spTree>
+      <p:nvGrpSpPr>
+        <p:cNvPr id="1" name=""/>
+        <p:cNvGrpSpPr/>
+        <p:nvPr/>
+      </p:nvGrpSpPr>
+      <p:grpSpPr>
+        <a:xfrm>
+          <a:off x="0" y="0"/>
+          <a:ext cx="0" cy="0"/>
+          <a:chOff x="0" y="0"/>
+          <a:chExt cx="0" cy="0"/>
+        </a:xfrm>
+      </p:grpSpPr>
+      <p:sp>
+        <p:nvSpPr>
+          <p:cNvPr id="2" name="Title 1"/>
+          <p:cNvSpPr>
+            <a:spLocks noGrp="1"/>
+          </p:cNvSpPr>
+          <p:nvPr>
+            <p:ph type="title"/>
+          </p:nvPr>
+        </p:nvSpPr>
+        <p:spPr/>
+        <p:txBody>
+          <a:bodyPr/>
+          <a:lstStyle/>
+          <a:p>
+            <a:r>
+              <a:rPr lang="en-US" smtClean="0"/>
+              <a:t>Conclusions</a:t>
+            </a:r>
+            <a:endParaRPr lang="en-US"/>
+          </a:p>
+        </p:txBody>
+      </p:sp>
+      <p:sp>
+        <p:nvSpPr>
+          <p:cNvPr id="3" name="Content Placeholder 2"/>
+          <p:cNvSpPr>
+            <a:spLocks noGrp="1"/>
+          </p:cNvSpPr>
+          <p:nvPr>
+            <p:ph idx="1"/>
+          </p:nvPr>
+        </p:nvSpPr>
+        <p:spPr/>
+        <p:txBody>
+          <a:bodyPr/>
+          <a:lstStyle/>
+          <a:p>
+            <a:r>
+              <a:rPr lang="en-US" smtClean="0"/>
+              <a:t>K-Means can handle just about any dataset</a:t>
+            </a:r>
+          </a:p>
+          <a:p>
+            <a:r>
+              <a:rPr lang="en-US" smtClean="0"/>
+              <a:t>Remains popular : around 30.000 results on Google Scholar each year</a:t>
+            </a:r>
+            <a:endParaRPr lang="en-US"/>
+          </a:p>
+        </p:txBody>
+      </p:sp>
+    </p:spTree>
+    <p:extLst>
+      <p:ext uri="{BB962C8B-B14F-4D97-AF65-F5344CB8AC3E}">
+        <p14:creationId xmlns:p14="http://schemas.microsoft.com/office/powerpoint/2010/main" val="1409582659"/>
+      </p:ext>
+    </p:extLst>
+  </p:cSld>
+  <p:clrMapOvr>
+    <a:masterClrMapping/>
+  </p:clrMapOvr>
 </p:sld>
 </file>
 
@@ -4099,19 +5336,15 @@
             </a:br>
             <a:r>
               <a:rPr lang="en-US" sz="2400" smtClean="0"/>
-              <a:t>published </a:t>
+              <a:t>2006</a:t>
             </a:r>
             <a:r>
               <a:rPr lang="en-US" sz="2400"/>
-              <a:t>2006, Fahim et </a:t>
-            </a:r>
-            <a:r>
-              <a:rPr lang="en-US" sz="2400"/>
-              <a:t>al</a:t>
+              <a:t>, </a:t>
             </a:r>
             <a:r>
               <a:rPr lang="en-US" sz="2400" smtClean="0"/>
-              <a:t>.</a:t>
+              <a:t>Fahim, Salem, Torkey and Ramadan</a:t>
             </a:r>
             <a:endParaRPr lang="en-US"/>
           </a:p>
@@ -4387,8 +5620,16 @@
               <a:rPr lang="en-US" smtClean="0"/>
             </a:br>
             <a:r>
+              <a:rPr lang="en-US" sz="2400" smtClean="0"/>
+              <a:t>2009</a:t>
+            </a:r>
+            <a:r>
               <a:rPr lang="en-US" sz="2400"/>
-              <a:t>published in 2009,  by </a:t>
+              <a:t>, </a:t>
+            </a:r>
+            <a:r>
+              <a:rPr lang="en-US" sz="2400" smtClean="0"/>
+              <a:t> </a:t>
             </a:r>
             <a:r>
               <a:rPr lang="en-US" sz="2400"/>

--- a/referate/amda/r1/presentation/presentation.pptx
+++ b/referate/amda/r1/presentation/presentation.pptx
@@ -3984,9 +3984,9 @@
       </p:sp>
       <p:pic>
         <p:nvPicPr>
-          <p:cNvPr id="2050" name="Picture 2"/>
+          <p:cNvPr id="4" name="Content Placeholder 3"/>
           <p:cNvPicPr>
-            <a:picLocks noGrp="1" noChangeAspect="1" noChangeArrowheads="1"/>
+            <a:picLocks noGrp="1" noChangeAspect="1"/>
           </p:cNvPicPr>
           <p:nvPr>
             <p:ph idx="1"/>
@@ -4000,52 +4000,15 @@
               </a:ext>
             </a:extLst>
           </a:blip>
-          <a:srcRect/>
           <a:stretch>
             <a:fillRect/>
           </a:stretch>
         </p:blipFill>
-        <p:spPr bwMode="auto">
+        <p:spPr>
           <a:xfrm>
-            <a:off x="27709" y="1676400"/>
-            <a:ext cx="8937949" cy="4343400"/>
+            <a:off x="228600" y="2286000"/>
+            <a:ext cx="8706402" cy="3366854"/>
           </a:xfrm>
-          <a:prstGeom prst="rect">
-            <a:avLst/>
-          </a:prstGeom>
-          <a:noFill/>
-          <a:ln>
-            <a:noFill/>
-          </a:ln>
-          <a:effectLst/>
-          <a:extLst>
-            <a:ext uri="{909E8E84-426E-40DD-AFC4-6F175D3DCCD1}">
-              <a14:hiddenFill xmlns:a14="http://schemas.microsoft.com/office/drawing/2010/main">
-                <a:solidFill>
-                  <a:schemeClr val="accent1"/>
-                </a:solidFill>
-              </a14:hiddenFill>
-            </a:ext>
-            <a:ext uri="{91240B29-F687-4F45-9708-019B960494DF}">
-              <a14:hiddenLine xmlns:a14="http://schemas.microsoft.com/office/drawing/2010/main" w="9525">
-                <a:solidFill>
-                  <a:schemeClr val="tx1"/>
-                </a:solidFill>
-                <a:miter lim="800000"/>
-                <a:headEnd/>
-                <a:tailEnd/>
-              </a14:hiddenLine>
-            </a:ext>
-            <a:ext uri="{AF507438-7753-43E0-B8FC-AC1667EBCBE1}">
-              <a14:hiddenEffects xmlns:a14="http://schemas.microsoft.com/office/drawing/2010/main">
-                <a:effectLst>
-                  <a:outerShdw dist="35921" dir="2700000" algn="ctr" rotWithShape="0">
-                    <a:schemeClr val="bg2"/>
-                  </a:outerShdw>
-                </a:effectLst>
-              </a14:hiddenEffects>
-            </a:ext>
-          </a:extLst>
         </p:spPr>
       </p:pic>
     </p:spTree>
